--- a/Document/presentation/ngoan/5 search motorbike.pptx
+++ b/Document/presentation/ngoan/5 search motorbike.pptx
@@ -13,9 +13,9 @@
     <p:sldId id="257" r:id="rId4"/>
     <p:sldId id="258" r:id="rId5"/>
     <p:sldId id="259" r:id="rId6"/>
-    <p:sldId id="260" r:id="rId7"/>
-    <p:sldId id="261" r:id="rId8"/>
-    <p:sldId id="262" r:id="rId9"/>
+    <p:sldId id="315" r:id="rId7"/>
+    <p:sldId id="314" r:id="rId8"/>
+    <p:sldId id="313" r:id="rId9"/>
     <p:sldId id="290" r:id="rId10"/>
     <p:sldId id="291" r:id="rId11"/>
     <p:sldId id="292" r:id="rId12"/>
@@ -158,7 +158,7 @@
   </p:defaultTextStyle>
   <p:extLst>
     <p:ext uri="{EFAFB233-063F-42B5-8137-9DF3F51BA10A}">
-      <p15:sldGuideLst xmlns:p15="http://schemas.microsoft.com/office/powerpoint/2012/main" xmlns="">
+      <p15:sldGuideLst xmlns:p15="http://schemas.microsoft.com/office/powerpoint/2012/main">
         <p15:guide id="1" orient="horz" pos="2160">
           <p15:clr>
             <a:srgbClr val="A4A3A4"/>
@@ -2017,7 +2017,6 @@
               <a:rPr lang="en-US" baseline="0" dirty="0" smtClean="0"/>
               <a:t>. </a:t>
             </a:r>
-            <a:endParaRPr lang="en-US" baseline="0" dirty="0" smtClean="0"/>
           </a:p>
           <a:p>
             <a:pPr marL="0" marR="0" indent="0" algn="l" defTabSz="914400" rtl="0" eaLnBrk="1" fontAlgn="auto" latinLnBrk="0" hangingPunct="1">
@@ -2087,11 +2086,7 @@
             </a:r>
             <a:r>
               <a:rPr lang="en-US" baseline="0" dirty="0" smtClean="0"/>
-              <a:t> </a:t>
-            </a:r>
-            <a:r>
-              <a:rPr lang="en-US" baseline="0" dirty="0" smtClean="0"/>
-              <a:t>waypoints </a:t>
+              <a:t> waypoints </a:t>
             </a:r>
             <a:r>
               <a:rPr lang="en-US" baseline="0" dirty="0" err="1" smtClean="0"/>
@@ -3068,7 +3063,6 @@
               <a:rPr lang="en-US" baseline="0" dirty="0" smtClean="0"/>
               <a:t>. </a:t>
             </a:r>
-            <a:endParaRPr lang="en-US" baseline="0" dirty="0" smtClean="0"/>
           </a:p>
           <a:p>
             <a:pPr marL="171450" marR="0" indent="-171450" algn="l" defTabSz="914400" rtl="0" eaLnBrk="1" fontAlgn="auto" latinLnBrk="0" hangingPunct="1">
@@ -4149,7 +4143,6 @@
               <a:rPr lang="en-US" baseline="0" dirty="0" smtClean="0"/>
               <a:t>.</a:t>
             </a:r>
-            <a:endParaRPr lang="en-US" baseline="0" dirty="0" smtClean="0"/>
           </a:p>
         </p:txBody>
       </p:sp>
@@ -4436,11 +4429,7 @@
             </a:r>
             <a:r>
               <a:rPr lang="en-US" baseline="0" dirty="0" smtClean="0"/>
-              <a:t> </a:t>
-            </a:r>
-            <a:r>
-              <a:rPr lang="en-US" baseline="0" dirty="0" smtClean="0"/>
-              <a:t>API </a:t>
+              <a:t> API </a:t>
             </a:r>
             <a:r>
               <a:rPr lang="en-US" baseline="0" dirty="0" err="1" smtClean="0"/>
@@ -4760,7 +4749,6 @@
               <a:rPr lang="en-US" baseline="0" dirty="0" smtClean="0"/>
               <a:t>.</a:t>
             </a:r>
-            <a:endParaRPr lang="en-US" baseline="0" dirty="0" smtClean="0"/>
           </a:p>
         </p:txBody>
       </p:sp>
@@ -6565,11 +6553,7 @@
             </a:r>
             <a:r>
               <a:rPr lang="en-US" dirty="0" smtClean="0"/>
-              <a:t>Distance</a:t>
-            </a:r>
-            <a:r>
-              <a:rPr lang="en-US" dirty="0" smtClean="0"/>
-              <a:t>: </a:t>
+              <a:t>Distance: </a:t>
             </a:r>
             <a:r>
               <a:rPr lang="en-US" dirty="0" err="1" smtClean="0"/>
@@ -7691,11 +7675,7 @@
             </a:r>
             <a:r>
               <a:rPr lang="vi-VN" dirty="0" smtClean="0"/>
-              <a:t>Khương </a:t>
-            </a:r>
-            <a:r>
-              <a:rPr lang="vi-VN" dirty="0" smtClean="0"/>
-              <a:t>thử sử dụng google map.</a:t>
+              <a:t>Khương thử sử dụng google map.</a:t>
             </a:r>
             <a:r>
               <a:rPr lang="en-US" dirty="0" smtClean="0"/>
@@ -7763,11 +7743,7 @@
             </a:r>
             <a:r>
               <a:rPr lang="vi-VN" dirty="0" smtClean="0"/>
-              <a:t>xe </a:t>
-            </a:r>
-            <a:r>
-              <a:rPr lang="vi-VN" dirty="0" smtClean="0"/>
-              <a:t>máy</a:t>
+              <a:t>xe máy</a:t>
             </a:r>
             <a:r>
               <a:rPr lang="en-US" dirty="0" smtClean="0"/>
@@ -11476,175 +11452,316 @@
           <a:p>
             <a:pPr algn="just"/>
             <a:r>
-              <a:rPr lang="en-US" dirty="0" err="1" smtClean="0"/>
-              <a:t>Với</a:t>
-            </a:r>
-            <a:r>
-              <a:rPr lang="en-US" baseline="0" dirty="0" smtClean="0"/>
-              <a:t> </a:t>
-            </a:r>
-            <a:r>
-              <a:rPr lang="en-US" baseline="0" dirty="0" err="1" smtClean="0"/>
-              <a:t>vấn</a:t>
-            </a:r>
-            <a:r>
-              <a:rPr lang="en-US" baseline="0" dirty="0" smtClean="0"/>
-              <a:t> </a:t>
-            </a:r>
-            <a:r>
-              <a:rPr lang="en-US" baseline="0" dirty="0" err="1" smtClean="0"/>
-              <a:t>đề</a:t>
-            </a:r>
-            <a:r>
-              <a:rPr lang="en-US" baseline="0" dirty="0" smtClean="0"/>
-              <a:t> </a:t>
-            </a:r>
-            <a:r>
-              <a:rPr lang="en-US" baseline="0" dirty="0" err="1" smtClean="0"/>
-              <a:t>đã</a:t>
-            </a:r>
-            <a:r>
-              <a:rPr lang="en-US" baseline="0" dirty="0" smtClean="0"/>
-              <a:t> </a:t>
-            </a:r>
-            <a:r>
-              <a:rPr lang="en-US" baseline="0" dirty="0" err="1" smtClean="0"/>
-              <a:t>đề</a:t>
-            </a:r>
-            <a:r>
-              <a:rPr lang="en-US" baseline="0" dirty="0" smtClean="0"/>
-              <a:t> </a:t>
-            </a:r>
-            <a:r>
-              <a:rPr lang="en-US" baseline="0" dirty="0" err="1" smtClean="0"/>
-              <a:t>ra</a:t>
-            </a:r>
-            <a:r>
-              <a:rPr lang="vi-VN" dirty="0" smtClean="0"/>
-              <a:t>, nhóm chúng tôi đã phát tri</a:t>
-            </a:r>
-            <a:r>
-              <a:rPr lang="en-US" dirty="0" err="1" smtClean="0"/>
-              <a:t>ển</a:t>
-            </a:r>
-            <a:r>
-              <a:rPr lang="vi-VN" dirty="0" smtClean="0"/>
-              <a:t> một ứng dụng tìm kiếm đường đi = xe máy.</a:t>
-            </a:r>
-            <a:r>
-              <a:rPr lang="vi-VN" baseline="0" dirty="0" smtClean="0"/>
-              <a:t> </a:t>
-            </a:r>
-          </a:p>
-          <a:p>
-            <a:pPr algn="just"/>
-            <a:r>
-              <a:rPr lang="en-US" dirty="0" err="1" smtClean="0"/>
-              <a:t>Hệ</a:t>
-            </a:r>
-            <a:r>
-              <a:rPr lang="en-US" baseline="0" dirty="0" smtClean="0"/>
-              <a:t> </a:t>
-            </a:r>
-            <a:r>
-              <a:rPr lang="en-US" baseline="0" dirty="0" err="1" smtClean="0"/>
+              <a:rPr lang="en-US" sz="1200" baseline="0" dirty="0" err="1" smtClean="0">
+                <a:latin typeface="Cambria" pitchFamily="18" charset="0"/>
+              </a:rPr>
+              <a:t>Tiếp</a:t>
+            </a:r>
+            <a:r>
+              <a:rPr lang="en-US" sz="1200" baseline="0" dirty="0" smtClean="0">
+                <a:latin typeface="Cambria" pitchFamily="18" charset="0"/>
+              </a:rPr>
+              <a:t> </a:t>
+            </a:r>
+            <a:r>
+              <a:rPr lang="en-US" sz="1200" baseline="0" dirty="0" err="1" smtClean="0">
+                <a:latin typeface="Cambria" pitchFamily="18" charset="0"/>
+              </a:rPr>
+              <a:t>theo</a:t>
+            </a:r>
+            <a:r>
+              <a:rPr lang="en-US" sz="1200" baseline="0" dirty="0" smtClean="0">
+                <a:latin typeface="Cambria" pitchFamily="18" charset="0"/>
+              </a:rPr>
+              <a:t>, </a:t>
+            </a:r>
+            <a:r>
+              <a:rPr lang="en-US" sz="1200" baseline="0" dirty="0" err="1" smtClean="0">
+                <a:latin typeface="Cambria" pitchFamily="18" charset="0"/>
+              </a:rPr>
+              <a:t>tôi</a:t>
+            </a:r>
+            <a:r>
+              <a:rPr lang="en-US" sz="1200" baseline="0" dirty="0" smtClean="0">
+                <a:latin typeface="Cambria" pitchFamily="18" charset="0"/>
+              </a:rPr>
+              <a:t> </a:t>
+            </a:r>
+            <a:r>
+              <a:rPr lang="en-US" sz="1200" baseline="0" dirty="0" err="1" smtClean="0">
+                <a:latin typeface="Cambria" pitchFamily="18" charset="0"/>
+              </a:rPr>
+              <a:t>xin</a:t>
+            </a:r>
+            <a:r>
+              <a:rPr lang="en-US" sz="1200" baseline="0" dirty="0" smtClean="0">
+                <a:latin typeface="Cambria" pitchFamily="18" charset="0"/>
+              </a:rPr>
+              <a:t> </a:t>
+            </a:r>
+            <a:r>
+              <a:rPr lang="en-US" sz="1200" baseline="0" dirty="0" err="1" smtClean="0">
+                <a:latin typeface="Cambria" pitchFamily="18" charset="0"/>
+              </a:rPr>
+              <a:t>mô</a:t>
+            </a:r>
+            <a:r>
+              <a:rPr lang="en-US" sz="1200" baseline="0" dirty="0" smtClean="0">
+                <a:latin typeface="Cambria" pitchFamily="18" charset="0"/>
+              </a:rPr>
+              <a:t> </a:t>
+            </a:r>
+            <a:r>
+              <a:rPr lang="en-US" sz="1200" baseline="0" dirty="0" err="1" smtClean="0">
+                <a:latin typeface="Cambria" pitchFamily="18" charset="0"/>
+              </a:rPr>
+              <a:t>tả</a:t>
+            </a:r>
+            <a:r>
+              <a:rPr lang="en-US" sz="1200" baseline="0" dirty="0" smtClean="0">
+                <a:latin typeface="Cambria" pitchFamily="18" charset="0"/>
+              </a:rPr>
+              <a:t> </a:t>
+            </a:r>
+            <a:r>
+              <a:rPr lang="en-US" sz="1200" baseline="0" dirty="0" err="1" smtClean="0">
+                <a:latin typeface="Cambria" pitchFamily="18" charset="0"/>
+              </a:rPr>
+              <a:t>kiến</a:t>
+            </a:r>
+            <a:r>
+              <a:rPr lang="en-US" sz="1200" baseline="0" dirty="0" smtClean="0">
+                <a:latin typeface="Cambria" pitchFamily="18" charset="0"/>
+              </a:rPr>
+              <a:t> </a:t>
+            </a:r>
+            <a:r>
+              <a:rPr lang="en-US" sz="1200" baseline="0" dirty="0" err="1" smtClean="0">
+                <a:latin typeface="Cambria" pitchFamily="18" charset="0"/>
+              </a:rPr>
+              <a:t>trúc</a:t>
+            </a:r>
+            <a:r>
+              <a:rPr lang="en-US" sz="1200" baseline="0" dirty="0" smtClean="0">
+                <a:latin typeface="Cambria" pitchFamily="18" charset="0"/>
+              </a:rPr>
+              <a:t> </a:t>
+            </a:r>
+            <a:r>
+              <a:rPr lang="en-US" sz="1200" baseline="0" dirty="0" err="1" smtClean="0">
+                <a:latin typeface="Cambria" pitchFamily="18" charset="0"/>
+              </a:rPr>
+              <a:t>tổng</a:t>
+            </a:r>
+            <a:r>
+              <a:rPr lang="en-US" sz="1200" baseline="0" dirty="0" smtClean="0">
+                <a:latin typeface="Cambria" pitchFamily="18" charset="0"/>
+              </a:rPr>
+              <a:t> </a:t>
+            </a:r>
+            <a:r>
+              <a:rPr lang="en-US" sz="1200" baseline="0" dirty="0" err="1" smtClean="0">
+                <a:latin typeface="Cambria" pitchFamily="18" charset="0"/>
+              </a:rPr>
+              <a:t>quát</a:t>
+            </a:r>
+            <a:r>
+              <a:rPr lang="en-US" sz="1200" baseline="0" dirty="0" smtClean="0">
+                <a:latin typeface="Cambria" pitchFamily="18" charset="0"/>
+              </a:rPr>
+              <a:t> </a:t>
+            </a:r>
+            <a:r>
+              <a:rPr lang="en-US" sz="1200" baseline="0" dirty="0" err="1" smtClean="0">
+                <a:latin typeface="Cambria" pitchFamily="18" charset="0"/>
+              </a:rPr>
+              <a:t>và</a:t>
+            </a:r>
+            <a:r>
+              <a:rPr lang="en-US" sz="1200" baseline="0" dirty="0" smtClean="0">
+                <a:latin typeface="Cambria" pitchFamily="18" charset="0"/>
+              </a:rPr>
+              <a:t> </a:t>
+            </a:r>
+            <a:r>
+              <a:rPr lang="en-US" sz="1200" baseline="0" dirty="0" err="1" smtClean="0">
+                <a:latin typeface="Cambria" pitchFamily="18" charset="0"/>
+              </a:rPr>
+              <a:t>cách</a:t>
+            </a:r>
+            <a:r>
+              <a:rPr lang="en-US" sz="1200" baseline="0" dirty="0" smtClean="0">
+                <a:latin typeface="Cambria" pitchFamily="18" charset="0"/>
+              </a:rPr>
+              <a:t> </a:t>
+            </a:r>
+            <a:r>
+              <a:rPr lang="en-US" sz="1200" baseline="0" dirty="0" err="1" smtClean="0">
+                <a:latin typeface="Cambria" pitchFamily="18" charset="0"/>
+              </a:rPr>
+              <a:t>thức</a:t>
+            </a:r>
+            <a:r>
+              <a:rPr lang="en-US" sz="1200" baseline="0" dirty="0" smtClean="0">
+                <a:latin typeface="Cambria" pitchFamily="18" charset="0"/>
+              </a:rPr>
+              <a:t> </a:t>
+            </a:r>
+            <a:r>
+              <a:rPr lang="en-US" sz="1200" baseline="0" dirty="0" err="1" smtClean="0">
+                <a:latin typeface="Cambria" pitchFamily="18" charset="0"/>
+              </a:rPr>
+              <a:t>hệ</a:t>
+            </a:r>
+            <a:r>
+              <a:rPr lang="en-US" sz="1200" baseline="0" dirty="0" smtClean="0">
+                <a:latin typeface="Cambria" pitchFamily="18" charset="0"/>
+              </a:rPr>
+              <a:t> </a:t>
+            </a:r>
+            <a:r>
+              <a:rPr lang="en-US" sz="1200" baseline="0" dirty="0" err="1" smtClean="0">
+                <a:latin typeface="Cambria" pitchFamily="18" charset="0"/>
+              </a:rPr>
               <a:t>thống</a:t>
             </a:r>
             <a:r>
-              <a:rPr lang="en-US" baseline="0" dirty="0" smtClean="0"/>
-              <a:t> </a:t>
-            </a:r>
-            <a:r>
-              <a:rPr lang="en-US" baseline="0" dirty="0" err="1" smtClean="0"/>
-              <a:t>của</a:t>
-            </a:r>
-            <a:r>
-              <a:rPr lang="en-US" baseline="0" dirty="0" smtClean="0"/>
-              <a:t> </a:t>
-            </a:r>
-            <a:r>
-              <a:rPr lang="en-US" baseline="0" dirty="0" err="1" smtClean="0"/>
-              <a:t>chúng</a:t>
-            </a:r>
-            <a:r>
-              <a:rPr lang="en-US" baseline="0" dirty="0" smtClean="0"/>
-              <a:t> </a:t>
-            </a:r>
-            <a:r>
-              <a:rPr lang="en-US" baseline="0" dirty="0" err="1" smtClean="0"/>
-              <a:t>tôi</a:t>
-            </a:r>
-            <a:r>
-              <a:rPr lang="en-US" baseline="0" dirty="0" smtClean="0"/>
-              <a:t> </a:t>
-            </a:r>
-            <a:r>
-              <a:rPr lang="en-US" baseline="0" dirty="0" err="1" smtClean="0"/>
-              <a:t>ngoài</a:t>
-            </a:r>
-            <a:r>
-              <a:rPr lang="en-US" baseline="0" dirty="0" smtClean="0"/>
-              <a:t> </a:t>
-            </a:r>
-            <a:r>
-              <a:rPr lang="en-US" baseline="0" dirty="0" err="1" smtClean="0"/>
-              <a:t>việc</a:t>
-            </a:r>
-            <a:r>
-              <a:rPr lang="en-US" baseline="0" dirty="0" smtClean="0"/>
-              <a:t> h</a:t>
-            </a:r>
-            <a:r>
-              <a:rPr lang="vi-VN" dirty="0" smtClean="0"/>
-              <a:t>ỗ trợ</a:t>
-            </a:r>
-            <a:r>
-              <a:rPr lang="en-US" dirty="0" smtClean="0"/>
-              <a:t> </a:t>
-            </a:r>
-            <a:r>
-              <a:rPr lang="en-US" dirty="0" err="1" smtClean="0"/>
-              <a:t>việc</a:t>
-            </a:r>
-            <a:r>
-              <a:rPr lang="en-US" baseline="0" dirty="0" smtClean="0"/>
-              <a:t> </a:t>
-            </a:r>
-            <a:r>
-              <a:rPr lang="en-US" baseline="0" dirty="0" err="1" smtClean="0"/>
+              <a:rPr lang="en-US" sz="1200" baseline="0" dirty="0" smtClean="0">
+                <a:latin typeface="Cambria" pitchFamily="18" charset="0"/>
+              </a:rPr>
+              <a:t> </a:t>
+            </a:r>
+            <a:r>
+              <a:rPr lang="en-US" sz="1200" baseline="0" dirty="0" err="1" smtClean="0">
+                <a:latin typeface="Cambria" pitchFamily="18" charset="0"/>
+              </a:rPr>
+              <a:t>xử</a:t>
+            </a:r>
+            <a:r>
+              <a:rPr lang="en-US" sz="1200" baseline="0" dirty="0" smtClean="0">
+                <a:latin typeface="Cambria" pitchFamily="18" charset="0"/>
+              </a:rPr>
+              <a:t> </a:t>
+            </a:r>
+            <a:r>
+              <a:rPr lang="en-US" sz="1200" baseline="0" dirty="0" err="1" smtClean="0">
+                <a:latin typeface="Cambria" pitchFamily="18" charset="0"/>
+              </a:rPr>
+              <a:t>lý</a:t>
+            </a:r>
+            <a:r>
+              <a:rPr lang="en-US" sz="1200" baseline="0" dirty="0" smtClean="0">
+                <a:latin typeface="Cambria" pitchFamily="18" charset="0"/>
+              </a:rPr>
+              <a:t> </a:t>
+            </a:r>
+            <a:r>
+              <a:rPr lang="en-US" sz="1200" baseline="0" dirty="0" err="1" smtClean="0">
+                <a:latin typeface="Cambria" pitchFamily="18" charset="0"/>
+              </a:rPr>
               <a:t>tìm</a:t>
             </a:r>
             <a:r>
-              <a:rPr lang="en-US" baseline="0" dirty="0" smtClean="0"/>
-              <a:t> </a:t>
-            </a:r>
-            <a:r>
-              <a:rPr lang="en-US" baseline="0" dirty="0" err="1" smtClean="0"/>
+              <a:rPr lang="en-US" sz="1200" baseline="0" dirty="0" smtClean="0">
+                <a:latin typeface="Cambria" pitchFamily="18" charset="0"/>
+              </a:rPr>
+              <a:t> </a:t>
+            </a:r>
+            <a:r>
+              <a:rPr lang="en-US" sz="1200" baseline="0" dirty="0" err="1" smtClean="0">
+                <a:latin typeface="Cambria" pitchFamily="18" charset="0"/>
+              </a:rPr>
               <a:t>kiếm</a:t>
             </a:r>
             <a:r>
-              <a:rPr lang="en-US" baseline="0" dirty="0" smtClean="0"/>
-              <a:t> </a:t>
-            </a:r>
-            <a:r>
-              <a:rPr lang="en-US" baseline="0" dirty="0" err="1" smtClean="0"/>
+              <a:rPr lang="en-US" sz="1200" baseline="0" dirty="0" smtClean="0">
+                <a:latin typeface="Cambria" pitchFamily="18" charset="0"/>
+              </a:rPr>
+              <a:t> </a:t>
+            </a:r>
+            <a:r>
+              <a:rPr lang="en-US" sz="1200" baseline="0" dirty="0" err="1" smtClean="0">
+                <a:latin typeface="Cambria" pitchFamily="18" charset="0"/>
+              </a:rPr>
               <a:t>đường</a:t>
             </a:r>
             <a:r>
-              <a:rPr lang="en-US" baseline="0" dirty="0" smtClean="0"/>
-              <a:t> </a:t>
-            </a:r>
-            <a:r>
-              <a:rPr lang="en-US" baseline="0" dirty="0" err="1" smtClean="0"/>
+              <a:rPr lang="en-US" sz="1200" baseline="0" dirty="0" smtClean="0">
+                <a:latin typeface="Cambria" pitchFamily="18" charset="0"/>
+              </a:rPr>
+              <a:t> </a:t>
+            </a:r>
+            <a:r>
+              <a:rPr lang="en-US" sz="1200" baseline="0" dirty="0" err="1" smtClean="0">
+                <a:latin typeface="Cambria" pitchFamily="18" charset="0"/>
+              </a:rPr>
               <a:t>đi</a:t>
             </a:r>
             <a:r>
-              <a:rPr lang="vi-VN" dirty="0" smtClean="0"/>
-              <a:t> 2 điểm.</a:t>
-            </a:r>
-            <a:r>
-              <a:rPr lang="en-US" dirty="0" smtClean="0"/>
-              <a:t> </a:t>
+              <a:rPr lang="en-US" sz="1200" baseline="0" dirty="0" smtClean="0">
+                <a:latin typeface="Cambria" pitchFamily="18" charset="0"/>
+              </a:rPr>
+              <a:t> </a:t>
+            </a:r>
+            <a:r>
+              <a:rPr lang="en-US" sz="1200" baseline="0" dirty="0" err="1" smtClean="0">
+                <a:latin typeface="Cambria" pitchFamily="18" charset="0"/>
+              </a:rPr>
+              <a:t>cho</a:t>
+            </a:r>
+            <a:r>
+              <a:rPr lang="en-US" sz="1200" baseline="0" dirty="0" smtClean="0">
+                <a:latin typeface="Cambria" pitchFamily="18" charset="0"/>
+              </a:rPr>
+              <a:t> </a:t>
+            </a:r>
+            <a:r>
+              <a:rPr lang="en-US" sz="1200" baseline="0" dirty="0" err="1" smtClean="0">
+                <a:latin typeface="Cambria" pitchFamily="18" charset="0"/>
+              </a:rPr>
+              <a:t>xe</a:t>
+            </a:r>
+            <a:r>
+              <a:rPr lang="en-US" sz="1200" baseline="0" dirty="0" smtClean="0">
+                <a:latin typeface="Cambria" pitchFamily="18" charset="0"/>
+              </a:rPr>
+              <a:t> </a:t>
+            </a:r>
+            <a:r>
+              <a:rPr lang="en-US" sz="1200" baseline="0" dirty="0" err="1" smtClean="0">
+                <a:latin typeface="Cambria" pitchFamily="18" charset="0"/>
+              </a:rPr>
+              <a:t>máy</a:t>
+            </a:r>
+            <a:r>
+              <a:rPr lang="en-US" sz="1200" baseline="0" dirty="0" smtClean="0">
+                <a:latin typeface="Cambria" pitchFamily="18" charset="0"/>
+              </a:rPr>
+              <a:t> </a:t>
+            </a:r>
+            <a:r>
+              <a:rPr lang="en-US" sz="1200" baseline="0" dirty="0" err="1" smtClean="0">
+                <a:latin typeface="Cambria" pitchFamily="18" charset="0"/>
+              </a:rPr>
+              <a:t>như</a:t>
+            </a:r>
+            <a:r>
+              <a:rPr lang="en-US" sz="1200" baseline="0" dirty="0" smtClean="0">
+                <a:latin typeface="Cambria" pitchFamily="18" charset="0"/>
+              </a:rPr>
+              <a:t> </a:t>
+            </a:r>
+            <a:r>
+              <a:rPr lang="en-US" sz="1200" baseline="0" dirty="0" err="1" smtClean="0">
+                <a:latin typeface="Cambria" pitchFamily="18" charset="0"/>
+              </a:rPr>
+              <a:t>sau</a:t>
+            </a:r>
+            <a:r>
+              <a:rPr lang="en-US" sz="1200" baseline="0" dirty="0" smtClean="0">
+                <a:latin typeface="Cambria" pitchFamily="18" charset="0"/>
+              </a:rPr>
+              <a:t>:</a:t>
             </a:r>
             <a:endParaRPr lang="en-US" dirty="0"/>
           </a:p>
@@ -11685,7 +11802,7 @@
     </p:spTree>
     <p:extLst>
       <p:ext uri="{BB962C8B-B14F-4D97-AF65-F5344CB8AC3E}">
-        <p14:creationId xmlns:p14="http://schemas.microsoft.com/office/powerpoint/2010/main" val="399628140"/>
+        <p14:creationId xmlns:p14="http://schemas.microsoft.com/office/powerpoint/2010/main" val="2197309971"/>
       </p:ext>
     </p:extLst>
   </p:cSld>
@@ -11741,94 +11858,10 @@
           <a:p>
             <a:pPr algn="just"/>
             <a:r>
-              <a:rPr lang="en-US" dirty="0" smtClean="0"/>
-              <a:t> </a:t>
-            </a:r>
-            <a:r>
-              <a:rPr lang="en-US" dirty="0" err="1" smtClean="0"/>
-              <a:t>Chúng</a:t>
-            </a:r>
-            <a:r>
-              <a:rPr lang="en-US" baseline="0" dirty="0" smtClean="0"/>
-              <a:t> </a:t>
-            </a:r>
-            <a:r>
-              <a:rPr lang="en-US" baseline="0" dirty="0" err="1" smtClean="0"/>
-              <a:t>tôi</a:t>
-            </a:r>
-            <a:r>
-              <a:rPr lang="en-US" baseline="0" dirty="0" smtClean="0"/>
-              <a:t> </a:t>
-            </a:r>
-            <a:r>
-              <a:rPr lang="en-US" baseline="0" dirty="0" err="1" smtClean="0"/>
-              <a:t>còn</a:t>
-            </a:r>
-            <a:r>
-              <a:rPr lang="en-US" baseline="0" dirty="0" smtClean="0"/>
-              <a:t> </a:t>
-            </a:r>
-            <a:r>
-              <a:rPr lang="en-US" baseline="0" dirty="0" err="1" smtClean="0"/>
-              <a:t>hỗ</a:t>
-            </a:r>
-            <a:r>
-              <a:rPr lang="en-US" baseline="0" dirty="0" smtClean="0"/>
-              <a:t> </a:t>
-            </a:r>
-            <a:r>
-              <a:rPr lang="en-US" baseline="0" dirty="0" err="1" smtClean="0"/>
-              <a:t>trợ</a:t>
-            </a:r>
-            <a:r>
-              <a:rPr lang="en-US" baseline="0" dirty="0" smtClean="0"/>
-              <a:t> </a:t>
-            </a:r>
-            <a:r>
-              <a:rPr lang="en-US" baseline="0" dirty="0" err="1" smtClean="0"/>
-              <a:t>tìm</a:t>
-            </a:r>
-            <a:r>
-              <a:rPr lang="en-US" baseline="0" dirty="0" smtClean="0"/>
-              <a:t> </a:t>
-            </a:r>
-            <a:r>
-              <a:rPr lang="en-US" baseline="0" dirty="0" err="1" smtClean="0"/>
-              <a:t>kiếm</a:t>
-            </a:r>
-            <a:r>
-              <a:rPr lang="en-US" baseline="0" dirty="0" smtClean="0"/>
-              <a:t> </a:t>
-            </a:r>
-            <a:r>
-              <a:rPr lang="vi-VN" sz="1200" dirty="0" smtClean="0">
+              <a:rPr lang="en-US" sz="1200" baseline="0" dirty="0" err="1" smtClean="0">
                 <a:latin typeface="Cambria" pitchFamily="18" charset="0"/>
               </a:rPr>
-              <a:t>nhiêu hơn 2 điểm.</a:t>
-            </a:r>
-            <a:r>
-              <a:rPr lang="en-US" sz="1200" dirty="0" smtClean="0">
-                <a:latin typeface="Cambria" pitchFamily="18" charset="0"/>
-              </a:rPr>
-              <a:t> </a:t>
-            </a:r>
-            <a:r>
-              <a:rPr lang="en-US" sz="1200" dirty="0" err="1" smtClean="0">
-                <a:latin typeface="Cambria" pitchFamily="18" charset="0"/>
-              </a:rPr>
-              <a:t>Cụ</a:t>
-            </a:r>
-            <a:r>
-              <a:rPr lang="en-US" sz="1200" dirty="0" smtClean="0">
-                <a:latin typeface="Cambria" pitchFamily="18" charset="0"/>
-              </a:rPr>
-              <a:t> </a:t>
-            </a:r>
-            <a:r>
-              <a:rPr lang="en-US" sz="1200" dirty="0" err="1" smtClean="0">
-                <a:latin typeface="Cambria" pitchFamily="18" charset="0"/>
-              </a:rPr>
-              <a:t>thể</a:t>
+              <a:t>Tiếp</a:t>
             </a:r>
             <a:r>
               <a:rPr lang="en-US" sz="1200" baseline="0" dirty="0" smtClean="0">
@@ -11840,43 +11873,43 @@
               <a:rPr lang="en-US" sz="1200" baseline="0" dirty="0" err="1" smtClean="0">
                 <a:latin typeface="Cambria" pitchFamily="18" charset="0"/>
               </a:rPr>
-              <a:t>là</a:t>
+              <a:t>theo</a:t>
             </a:r>
             <a:r>
               <a:rPr lang="en-US" sz="1200" baseline="0" dirty="0" smtClean="0">
                 <a:latin typeface="Cambria" pitchFamily="18" charset="0"/>
               </a:rPr>
-              <a:t> (</a:t>
+              <a:t>, </a:t>
             </a:r>
             <a:r>
               <a:rPr lang="en-US" sz="1200" baseline="0" dirty="0" err="1" smtClean="0">
                 <a:latin typeface="Cambria" pitchFamily="18" charset="0"/>
               </a:rPr>
-              <a:t>từ</a:t>
+              <a:t>tôi</a:t>
             </a:r>
             <a:r>
               <a:rPr lang="en-US" sz="1200" baseline="0" dirty="0" smtClean="0">
                 <a:latin typeface="Cambria" pitchFamily="18" charset="0"/>
               </a:rPr>
-              <a:t> 2 – 4 </a:t>
+              <a:t> </a:t>
             </a:r>
             <a:r>
               <a:rPr lang="en-US" sz="1200" baseline="0" dirty="0" err="1" smtClean="0">
                 <a:latin typeface="Cambria" pitchFamily="18" charset="0"/>
               </a:rPr>
-              <a:t>điểm</a:t>
+              <a:t>xin</a:t>
             </a:r>
             <a:r>
               <a:rPr lang="en-US" sz="1200" baseline="0" dirty="0" smtClean="0">
                 <a:latin typeface="Cambria" pitchFamily="18" charset="0"/>
               </a:rPr>
-              <a:t>). </a:t>
+              <a:t> </a:t>
             </a:r>
             <a:r>
               <a:rPr lang="en-US" sz="1200" baseline="0" dirty="0" err="1" smtClean="0">
                 <a:latin typeface="Cambria" pitchFamily="18" charset="0"/>
               </a:rPr>
-              <a:t>Và</a:t>
+              <a:t>mô</a:t>
             </a:r>
             <a:r>
               <a:rPr lang="en-US" sz="1200" baseline="0" dirty="0" smtClean="0">
@@ -11888,7 +11921,7 @@
               <a:rPr lang="en-US" sz="1200" baseline="0" dirty="0" err="1" smtClean="0">
                 <a:latin typeface="Cambria" pitchFamily="18" charset="0"/>
               </a:rPr>
-              <a:t>có</a:t>
+              <a:t>tả</a:t>
             </a:r>
             <a:r>
               <a:rPr lang="en-US" sz="1200" baseline="0" dirty="0" smtClean="0">
@@ -11900,7 +11933,7 @@
               <a:rPr lang="en-US" sz="1200" baseline="0" dirty="0" err="1" smtClean="0">
                 <a:latin typeface="Cambria" pitchFamily="18" charset="0"/>
               </a:rPr>
-              <a:t>thêm</a:t>
+              <a:t>kiến</a:t>
             </a:r>
             <a:r>
               <a:rPr lang="en-US" sz="1200" baseline="0" dirty="0" smtClean="0">
@@ -11912,7 +11945,7 @@
               <a:rPr lang="en-US" sz="1200" baseline="0" dirty="0" err="1" smtClean="0">
                 <a:latin typeface="Cambria" pitchFamily="18" charset="0"/>
               </a:rPr>
-              <a:t>chức</a:t>
+              <a:t>trúc</a:t>
             </a:r>
             <a:r>
               <a:rPr lang="en-US" sz="1200" baseline="0" dirty="0" smtClean="0">
@@ -11924,7 +11957,7 @@
               <a:rPr lang="en-US" sz="1200" baseline="0" dirty="0" err="1" smtClean="0">
                 <a:latin typeface="Cambria" pitchFamily="18" charset="0"/>
               </a:rPr>
-              <a:t>năng</a:t>
+              <a:t>tổng</a:t>
             </a:r>
             <a:r>
               <a:rPr lang="en-US" sz="1200" baseline="0" dirty="0" smtClean="0">
@@ -11936,7 +11969,7 @@
               <a:rPr lang="en-US" sz="1200" baseline="0" dirty="0" err="1" smtClean="0">
                 <a:latin typeface="Cambria" pitchFamily="18" charset="0"/>
               </a:rPr>
-              <a:t>có</a:t>
+              <a:t>quát</a:t>
             </a:r>
             <a:r>
               <a:rPr lang="en-US" sz="1200" baseline="0" dirty="0" smtClean="0">
@@ -11948,7 +11981,7 @@
               <a:rPr lang="en-US" sz="1200" baseline="0" dirty="0" err="1" smtClean="0">
                 <a:latin typeface="Cambria" pitchFamily="18" charset="0"/>
               </a:rPr>
-              <a:t>tối</a:t>
+              <a:t>và</a:t>
             </a:r>
             <a:r>
               <a:rPr lang="en-US" sz="1200" baseline="0" dirty="0" smtClean="0">
@@ -11960,19 +11993,19 @@
               <a:rPr lang="en-US" sz="1200" baseline="0" dirty="0" err="1" smtClean="0">
                 <a:latin typeface="Cambria" pitchFamily="18" charset="0"/>
               </a:rPr>
-              <a:t>ưu</a:t>
+              <a:t>cách</a:t>
             </a:r>
             <a:r>
               <a:rPr lang="en-US" sz="1200" baseline="0" dirty="0" smtClean="0">
                 <a:latin typeface="Cambria" pitchFamily="18" charset="0"/>
               </a:rPr>
-              <a:t> hay </a:t>
+              <a:t> </a:t>
             </a:r>
             <a:r>
               <a:rPr lang="en-US" sz="1200" baseline="0" dirty="0" err="1" smtClean="0">
                 <a:latin typeface="Cambria" pitchFamily="18" charset="0"/>
               </a:rPr>
-              <a:t>không</a:t>
+              <a:t>thức</a:t>
             </a:r>
             <a:r>
               <a:rPr lang="en-US" sz="1200" baseline="0" dirty="0" smtClean="0">
@@ -11984,7 +12017,7 @@
               <a:rPr lang="en-US" sz="1200" baseline="0" dirty="0" err="1" smtClean="0">
                 <a:latin typeface="Cambria" pitchFamily="18" charset="0"/>
               </a:rPr>
-              <a:t>có</a:t>
+              <a:t>hệ</a:t>
             </a:r>
             <a:r>
               <a:rPr lang="en-US" sz="1200" baseline="0" dirty="0" smtClean="0">
@@ -11996,7 +12029,7 @@
               <a:rPr lang="en-US" sz="1200" baseline="0" dirty="0" err="1" smtClean="0">
                 <a:latin typeface="Cambria" pitchFamily="18" charset="0"/>
               </a:rPr>
-              <a:t>tối</a:t>
+              <a:t>thống</a:t>
             </a:r>
             <a:r>
               <a:rPr lang="en-US" sz="1200" baseline="0" dirty="0" smtClean="0">
@@ -12008,13 +12041,133 @@
               <a:rPr lang="en-US" sz="1200" baseline="0" dirty="0" err="1" smtClean="0">
                 <a:latin typeface="Cambria" pitchFamily="18" charset="0"/>
               </a:rPr>
-              <a:t>ưu</a:t>
+              <a:t>xử</a:t>
             </a:r>
             <a:r>
               <a:rPr lang="en-US" sz="1200" baseline="0" dirty="0" smtClean="0">
                 <a:latin typeface="Cambria" pitchFamily="18" charset="0"/>
               </a:rPr>
-              <a:t>.</a:t>
+              <a:t> </a:t>
+            </a:r>
+            <a:r>
+              <a:rPr lang="en-US" sz="1200" baseline="0" dirty="0" err="1" smtClean="0">
+                <a:latin typeface="Cambria" pitchFamily="18" charset="0"/>
+              </a:rPr>
+              <a:t>lý</a:t>
+            </a:r>
+            <a:r>
+              <a:rPr lang="en-US" sz="1200" baseline="0" dirty="0" smtClean="0">
+                <a:latin typeface="Cambria" pitchFamily="18" charset="0"/>
+              </a:rPr>
+              <a:t> </a:t>
+            </a:r>
+            <a:r>
+              <a:rPr lang="en-US" sz="1200" baseline="0" dirty="0" err="1" smtClean="0">
+                <a:latin typeface="Cambria" pitchFamily="18" charset="0"/>
+              </a:rPr>
+              <a:t>tìm</a:t>
+            </a:r>
+            <a:r>
+              <a:rPr lang="en-US" sz="1200" baseline="0" dirty="0" smtClean="0">
+                <a:latin typeface="Cambria" pitchFamily="18" charset="0"/>
+              </a:rPr>
+              <a:t> </a:t>
+            </a:r>
+            <a:r>
+              <a:rPr lang="en-US" sz="1200" baseline="0" dirty="0" err="1" smtClean="0">
+                <a:latin typeface="Cambria" pitchFamily="18" charset="0"/>
+              </a:rPr>
+              <a:t>kiếm</a:t>
+            </a:r>
+            <a:r>
+              <a:rPr lang="en-US" sz="1200" baseline="0" dirty="0" smtClean="0">
+                <a:latin typeface="Cambria" pitchFamily="18" charset="0"/>
+              </a:rPr>
+              <a:t> </a:t>
+            </a:r>
+            <a:r>
+              <a:rPr lang="en-US" sz="1200" baseline="0" dirty="0" err="1" smtClean="0">
+                <a:latin typeface="Cambria" pitchFamily="18" charset="0"/>
+              </a:rPr>
+              <a:t>đường</a:t>
+            </a:r>
+            <a:r>
+              <a:rPr lang="en-US" sz="1200" baseline="0" dirty="0" smtClean="0">
+                <a:latin typeface="Cambria" pitchFamily="18" charset="0"/>
+              </a:rPr>
+              <a:t> </a:t>
+            </a:r>
+            <a:r>
+              <a:rPr lang="en-US" sz="1200" baseline="0" dirty="0" err="1" smtClean="0">
+                <a:latin typeface="Cambria" pitchFamily="18" charset="0"/>
+              </a:rPr>
+              <a:t>đi</a:t>
+            </a:r>
+            <a:r>
+              <a:rPr lang="en-US" sz="1200" baseline="0" dirty="0" smtClean="0">
+                <a:latin typeface="Cambria" pitchFamily="18" charset="0"/>
+              </a:rPr>
+              <a:t> </a:t>
+            </a:r>
+            <a:r>
+              <a:rPr lang="en-US" sz="1200" baseline="0" dirty="0" err="1" smtClean="0">
+                <a:latin typeface="Cambria" pitchFamily="18" charset="0"/>
+              </a:rPr>
+              <a:t>cho</a:t>
+            </a:r>
+            <a:r>
+              <a:rPr lang="en-US" sz="1200" baseline="0" dirty="0" smtClean="0">
+                <a:latin typeface="Cambria" pitchFamily="18" charset="0"/>
+              </a:rPr>
+              <a:t> </a:t>
+            </a:r>
+            <a:r>
+              <a:rPr lang="en-US" sz="1200" baseline="0" dirty="0" err="1" smtClean="0">
+                <a:latin typeface="Cambria" pitchFamily="18" charset="0"/>
+              </a:rPr>
+              <a:t>xe</a:t>
+            </a:r>
+            <a:r>
+              <a:rPr lang="en-US" sz="1200" baseline="0" dirty="0" smtClean="0">
+                <a:latin typeface="Cambria" pitchFamily="18" charset="0"/>
+              </a:rPr>
+              <a:t> </a:t>
+            </a:r>
+            <a:r>
+              <a:rPr lang="en-US" sz="1200" baseline="0" dirty="0" err="1" smtClean="0">
+                <a:latin typeface="Cambria" pitchFamily="18" charset="0"/>
+              </a:rPr>
+              <a:t>máy</a:t>
+            </a:r>
+            <a:r>
+              <a:rPr lang="en-US" sz="1200" baseline="0" dirty="0" smtClean="0">
+                <a:latin typeface="Cambria" pitchFamily="18" charset="0"/>
+              </a:rPr>
+              <a:t> </a:t>
+            </a:r>
+            <a:r>
+              <a:rPr lang="en-US" sz="1200" baseline="0" dirty="0" err="1" smtClean="0">
+                <a:latin typeface="Cambria" pitchFamily="18" charset="0"/>
+              </a:rPr>
+              <a:t>như</a:t>
+            </a:r>
+            <a:r>
+              <a:rPr lang="en-US" sz="1200" baseline="0" dirty="0" smtClean="0">
+                <a:latin typeface="Cambria" pitchFamily="18" charset="0"/>
+              </a:rPr>
+              <a:t> </a:t>
+            </a:r>
+            <a:r>
+              <a:rPr lang="en-US" sz="1200" baseline="0" dirty="0" err="1" smtClean="0">
+                <a:latin typeface="Cambria" pitchFamily="18" charset="0"/>
+              </a:rPr>
+              <a:t>sau</a:t>
+            </a:r>
+            <a:r>
+              <a:rPr lang="en-US" sz="1200" baseline="0" dirty="0" smtClean="0">
+                <a:latin typeface="Cambria" pitchFamily="18" charset="0"/>
+              </a:rPr>
+              <a:t>:</a:t>
             </a:r>
             <a:endParaRPr lang="en-US" dirty="0"/>
           </a:p>
@@ -12055,7 +12208,7 @@
     </p:spTree>
     <p:extLst>
       <p:ext uri="{BB962C8B-B14F-4D97-AF65-F5344CB8AC3E}">
-        <p14:creationId xmlns:p14="http://schemas.microsoft.com/office/powerpoint/2010/main" val="1321491813"/>
+        <p14:creationId xmlns:p14="http://schemas.microsoft.com/office/powerpoint/2010/main" val="2798516393"/>
       </p:ext>
     </p:extLst>
   </p:cSld>
@@ -12461,7 +12614,7 @@
     </p:spTree>
     <p:extLst>
       <p:ext uri="{BB962C8B-B14F-4D97-AF65-F5344CB8AC3E}">
-        <p14:creationId xmlns:p14="http://schemas.microsoft.com/office/powerpoint/2010/main" val="282013267"/>
+        <p14:creationId xmlns:p14="http://schemas.microsoft.com/office/powerpoint/2010/main" val="131045034"/>
       </p:ext>
     </p:extLst>
   </p:cSld>
@@ -12605,11 +12758,7 @@
           <a:p>
             <a:r>
               <a:rPr lang="vi-VN" dirty="0" smtClean="0"/>
-              <a:t>Hệ thống chúng tôi sử dụng </a:t>
-            </a:r>
-            <a:r>
-              <a:rPr lang="vi-VN" dirty="0" smtClean="0"/>
-              <a:t>G</a:t>
+              <a:t>Hệ thống chúng tôi sử dụng G</a:t>
             </a:r>
             <a:r>
               <a:rPr lang="en-US" dirty="0" smtClean="0"/>
@@ -12617,11 +12766,7 @@
             </a:r>
             <a:r>
               <a:rPr lang="vi-VN" dirty="0" smtClean="0"/>
-              <a:t>ogle </a:t>
-            </a:r>
-            <a:r>
-              <a:rPr lang="vi-VN" dirty="0" smtClean="0"/>
-              <a:t>Direction API để tìm kiếm đường đi ngắn nhất qua 4 điểm. </a:t>
+              <a:t>ogle Direction API để tìm kiếm đường đi ngắn nhất qua 4 điểm. </a:t>
             </a:r>
             <a:endParaRPr lang="en-US" dirty="0"/>
           </a:p>
@@ -19530,13 +19675,6 @@
   <p:clrMapOvr>
     <a:masterClrMapping/>
   </p:clrMapOvr>
-  <p:timing>
-    <p:tnLst>
-      <p:par>
-        <p:cTn id="1" dur="indefinite" restart="never" nodeType="tmRoot"/>
-      </p:par>
-    </p:tnLst>
-  </p:timing>
 </p:sld>
 </file>
 
@@ -20200,13 +20338,6 @@
   <p:clrMapOvr>
     <a:masterClrMapping/>
   </p:clrMapOvr>
-  <p:timing>
-    <p:tnLst>
-      <p:par>
-        <p:cTn id="1" dur="indefinite" restart="never" nodeType="tmRoot"/>
-      </p:par>
-    </p:tnLst>
-  </p:timing>
 </p:sld>
 </file>
 
@@ -20955,13 +21086,6 @@
   <p:clrMapOvr>
     <a:masterClrMapping/>
   </p:clrMapOvr>
-  <p:timing>
-    <p:tnLst>
-      <p:par>
-        <p:cTn id="1" dur="indefinite" restart="never" nodeType="tmRoot"/>
-      </p:par>
-    </p:tnLst>
-  </p:timing>
 </p:sld>
 </file>
 
@@ -21080,13 +21204,6 @@
   <p:clrMapOvr>
     <a:masterClrMapping/>
   </p:clrMapOvr>
-  <p:timing>
-    <p:tnLst>
-      <p:par>
-        <p:cTn id="1" dur="indefinite" restart="never" nodeType="tmRoot"/>
-      </p:par>
-    </p:tnLst>
-  </p:timing>
 </p:sld>
 </file>
 
@@ -21463,13 +21580,6 @@
   <p:clrMapOvr>
     <a:masterClrMapping/>
   </p:clrMapOvr>
-  <p:timing>
-    <p:tnLst>
-      <p:par>
-        <p:cTn id="1" dur="indefinite" restart="never" nodeType="tmRoot"/>
-      </p:par>
-    </p:tnLst>
-  </p:timing>
 </p:sld>
 </file>
 
@@ -22077,13 +22187,6 @@
   <p:clrMapOvr>
     <a:masterClrMapping/>
   </p:clrMapOvr>
-  <p:timing>
-    <p:tnLst>
-      <p:par>
-        <p:cTn id="1" dur="indefinite" restart="never" nodeType="tmRoot"/>
-      </p:par>
-    </p:tnLst>
-  </p:timing>
 </p:sld>
 </file>
 
@@ -22863,13 +22966,6 @@
   <p:clrMapOvr>
     <a:masterClrMapping/>
   </p:clrMapOvr>
-  <p:timing>
-    <p:tnLst>
-      <p:par>
-        <p:cTn id="1" dur="indefinite" restart="never" nodeType="tmRoot"/>
-      </p:par>
-    </p:tnLst>
-  </p:timing>
 </p:sld>
 </file>
 
@@ -23658,13 +23754,6 @@
   <p:clrMapOvr>
     <a:masterClrMapping/>
   </p:clrMapOvr>
-  <p:timing>
-    <p:tnLst>
-      <p:par>
-        <p:cTn id="1" dur="indefinite" restart="never" nodeType="tmRoot"/>
-      </p:par>
-    </p:tnLst>
-  </p:timing>
 </p:sld>
 </file>
 
@@ -24453,13 +24542,6 @@
   <p:clrMapOvr>
     <a:masterClrMapping/>
   </p:clrMapOvr>
-  <p:timing>
-    <p:tnLst>
-      <p:par>
-        <p:cTn id="1" dur="indefinite" restart="never" nodeType="tmRoot"/>
-      </p:par>
-    </p:tnLst>
-  </p:timing>
 </p:sld>
 </file>
 
@@ -24868,13 +24950,6 @@
   <p:clrMapOvr>
     <a:masterClrMapping/>
   </p:clrMapOvr>
-  <p:timing>
-    <p:tnLst>
-      <p:par>
-        <p:cTn id="1" dur="indefinite" restart="never" nodeType="tmRoot"/>
-      </p:par>
-    </p:tnLst>
-  </p:timing>
 </p:sld>
 </file>
 
@@ -25264,13 +25339,6 @@
   <p:clrMapOvr>
     <a:masterClrMapping/>
   </p:clrMapOvr>
-  <p:timing>
-    <p:tnLst>
-      <p:par>
-        <p:cTn id="1" dur="indefinite" restart="never" nodeType="tmRoot"/>
-      </p:par>
-    </p:tnLst>
-  </p:timing>
 </p:sld>
 </file>
 
@@ -25844,13 +25912,6 @@
   <p:clrMapOvr>
     <a:masterClrMapping/>
   </p:clrMapOvr>
-  <p:timing>
-    <p:tnLst>
-      <p:par>
-        <p:cTn id="1" dur="indefinite" restart="never" nodeType="tmRoot"/>
-      </p:par>
-    </p:tnLst>
-  </p:timing>
 </p:sld>
 </file>
 
@@ -25995,13 +26056,6 @@
   <p:clrMapOvr>
     <a:masterClrMapping/>
   </p:clrMapOvr>
-  <p:timing>
-    <p:tnLst>
-      <p:par>
-        <p:cTn id="1" dur="indefinite" restart="never" nodeType="tmRoot"/>
-      </p:par>
-    </p:tnLst>
-  </p:timing>
 </p:sld>
 </file>
 
@@ -26107,13 +26161,6 @@
   <p:clrMapOvr>
     <a:masterClrMapping/>
   </p:clrMapOvr>
-  <p:timing>
-    <p:tnLst>
-      <p:par>
-        <p:cTn id="1" dur="indefinite" restart="never" nodeType="tmRoot"/>
-      </p:par>
-    </p:tnLst>
-  </p:timing>
 </p:sld>
 </file>
 
@@ -26420,13 +26467,6 @@
   <p:clrMapOvr>
     <a:masterClrMapping/>
   </p:clrMapOvr>
-  <p:timing>
-    <p:tnLst>
-      <p:par>
-        <p:cTn id="1" dur="indefinite" restart="never" nodeType="tmRoot"/>
-      </p:par>
-    </p:tnLst>
-  </p:timing>
 </p:sld>
 </file>
 
@@ -26796,13 +26836,6 @@
   <p:clrMapOvr>
     <a:masterClrMapping/>
   </p:clrMapOvr>
-  <p:timing>
-    <p:tnLst>
-      <p:par>
-        <p:cTn id="1" dur="indefinite" restart="never" nodeType="tmRoot"/>
-      </p:par>
-    </p:tnLst>
-  </p:timing>
 </p:sld>
 </file>
 
@@ -27182,13 +27215,6 @@
   <p:clrMapOvr>
     <a:masterClrMapping/>
   </p:clrMapOvr>
-  <p:timing>
-    <p:tnLst>
-      <p:par>
-        <p:cTn id="1" dur="indefinite" restart="never" nodeType="tmRoot"/>
-      </p:par>
-    </p:tnLst>
-  </p:timing>
 </p:sld>
 </file>
 
@@ -27588,13 +27614,6 @@
   <p:clrMapOvr>
     <a:masterClrMapping/>
   </p:clrMapOvr>
-  <p:timing>
-    <p:tnLst>
-      <p:par>
-        <p:cTn id="1" dur="indefinite" restart="never" nodeType="tmRoot"/>
-      </p:par>
-    </p:tnLst>
-  </p:timing>
 </p:sld>
 </file>
 
@@ -28007,13 +28026,6 @@
   <p:clrMapOvr>
     <a:masterClrMapping/>
   </p:clrMapOvr>
-  <p:timing>
-    <p:tnLst>
-      <p:par>
-        <p:cTn id="1" dur="indefinite" restart="never" nodeType="tmRoot"/>
-      </p:par>
-    </p:tnLst>
-  </p:timing>
 </p:sld>
 </file>
 
@@ -28441,13 +28453,6 @@
   <p:clrMapOvr>
     <a:masterClrMapping/>
   </p:clrMapOvr>
-  <p:timing>
-    <p:tnLst>
-      <p:par>
-        <p:cTn id="1" dur="indefinite" restart="never" nodeType="tmRoot"/>
-      </p:par>
-    </p:tnLst>
-  </p:timing>
 </p:sld>
 </file>
 
@@ -28892,13 +28897,6 @@
   <p:clrMapOvr>
     <a:masterClrMapping/>
   </p:clrMapOvr>
-  <p:timing>
-    <p:tnLst>
-      <p:par>
-        <p:cTn id="1" dur="indefinite" restart="never" nodeType="tmRoot"/>
-      </p:par>
-    </p:tnLst>
-  </p:timing>
 </p:sld>
 </file>
 
@@ -29189,15 +29187,6 @@
                 </a:rPr>
                 <a:t>verviewPolyline</a:t>
               </a:r>
-              <a:endParaRPr lang="en" sz="1500" kern="0" dirty="0" smtClean="0">
-                <a:solidFill>
-                  <a:srgbClr val="FF0000"/>
-                </a:solidFill>
-                <a:latin typeface="Cambria" pitchFamily="18" charset="0"/>
-                <a:cs typeface="Arial"/>
-                <a:sym typeface="Arial"/>
-                <a:rtl val="0"/>
-              </a:endParaRPr>
             </a:p>
           </p:txBody>
         </p:sp>
@@ -29370,13 +29359,6 @@
   <p:clrMapOvr>
     <a:masterClrMapping/>
   </p:clrMapOvr>
-  <p:timing>
-    <p:tnLst>
-      <p:par>
-        <p:cTn id="1" dur="indefinite" restart="never" nodeType="tmRoot"/>
-      </p:par>
-    </p:tnLst>
-  </p:timing>
 </p:sld>
 </file>
 
@@ -29639,13 +29621,6 @@
   <p:clrMapOvr>
     <a:masterClrMapping/>
   </p:clrMapOvr>
-  <p:timing>
-    <p:tnLst>
-      <p:par>
-        <p:cTn id="1" dur="indefinite" restart="never" nodeType="tmRoot"/>
-      </p:par>
-    </p:tnLst>
-  </p:timing>
 </p:sld>
 </file>
 
@@ -29751,13 +29726,6 @@
   <p:clrMapOvr>
     <a:masterClrMapping/>
   </p:clrMapOvr>
-  <p:timing>
-    <p:tnLst>
-      <p:par>
-        <p:cTn id="1" dur="indefinite" restart="never" nodeType="tmRoot"/>
-      </p:par>
-    </p:tnLst>
-  </p:timing>
 </p:sld>
 </file>
 
@@ -30069,13 +30037,6 @@
   <p:clrMapOvr>
     <a:masterClrMapping/>
   </p:clrMapOvr>
-  <p:timing>
-    <p:tnLst>
-      <p:par>
-        <p:cTn id="1" dur="indefinite" restart="never" nodeType="tmRoot"/>
-      </p:par>
-    </p:tnLst>
-  </p:timing>
 </p:sld>
 </file>
 
@@ -30445,13 +30406,6 @@
   <p:clrMapOvr>
     <a:masterClrMapping/>
   </p:clrMapOvr>
-  <p:timing>
-    <p:tnLst>
-      <p:par>
-        <p:cTn id="1" dur="indefinite" restart="never" nodeType="tmRoot"/>
-      </p:par>
-    </p:tnLst>
-  </p:timing>
 </p:sld>
 </file>
 
@@ -30836,13 +30790,6 @@
   <p:clrMapOvr>
     <a:masterClrMapping/>
   </p:clrMapOvr>
-  <p:timing>
-    <p:tnLst>
-      <p:par>
-        <p:cTn id="1" dur="indefinite" restart="never" nodeType="tmRoot"/>
-      </p:par>
-    </p:tnLst>
-  </p:timing>
 </p:sld>
 </file>
 
@@ -31241,13 +31188,6 @@
   <p:clrMapOvr>
     <a:masterClrMapping/>
   </p:clrMapOvr>
-  <p:timing>
-    <p:tnLst>
-      <p:par>
-        <p:cTn id="1" dur="indefinite" restart="never" nodeType="tmRoot"/>
-      </p:par>
-    </p:tnLst>
-  </p:timing>
 </p:sld>
 </file>
 
@@ -31670,13 +31610,6 @@
   <p:clrMapOvr>
     <a:masterClrMapping/>
   </p:clrMapOvr>
-  <p:timing>
-    <p:tnLst>
-      <p:par>
-        <p:cTn id="1" dur="indefinite" restart="never" nodeType="tmRoot"/>
-      </p:par>
-    </p:tnLst>
-  </p:timing>
 </p:sld>
 </file>
 
@@ -32114,13 +32047,6 @@
   <p:clrMapOvr>
     <a:masterClrMapping/>
   </p:clrMapOvr>
-  <p:timing>
-    <p:tnLst>
-      <p:par>
-        <p:cTn id="1" dur="indefinite" restart="never" nodeType="tmRoot"/>
-      </p:par>
-    </p:tnLst>
-  </p:timing>
 </p:sld>
 </file>
 
@@ -32558,13 +32484,6 @@
   <p:clrMapOvr>
     <a:masterClrMapping/>
   </p:clrMapOvr>
-  <p:timing>
-    <p:tnLst>
-      <p:par>
-        <p:cTn id="1" dur="indefinite" restart="never" nodeType="tmRoot"/>
-      </p:par>
-    </p:tnLst>
-  </p:timing>
 </p:sld>
 </file>
 
@@ -33017,13 +32936,6 @@
   <p:clrMapOvr>
     <a:masterClrMapping/>
   </p:clrMapOvr>
-  <p:timing>
-    <p:tnLst>
-      <p:par>
-        <p:cTn id="1" dur="indefinite" restart="never" nodeType="tmRoot"/>
-      </p:par>
-    </p:tnLst>
-  </p:timing>
 </p:sld>
 </file>
 
@@ -33540,15 +33452,6 @@
                 </a:rPr>
                 <a:t>verviewPolyline</a:t>
               </a:r>
-              <a:endParaRPr lang="en" sz="1500" kern="0" dirty="0" smtClean="0">
-                <a:solidFill>
-                  <a:schemeClr val="tx1"/>
-                </a:solidFill>
-                <a:latin typeface="Cambria" pitchFamily="18" charset="0"/>
-                <a:cs typeface="Arial"/>
-                <a:sym typeface="Arial"/>
-                <a:rtl val="0"/>
-              </a:endParaRPr>
             </a:p>
           </p:txBody>
         </p:sp>
@@ -33695,8 +33598,8 @@
           </a:p>
         </p:txBody>
       </p:sp>
-      <mc:AlternateContent xmlns:mc="http://schemas.openxmlformats.org/markup-compatibility/2006">
-        <mc:Choice xmlns:a14="http://schemas.microsoft.com/office/drawing/2010/main" Requires="a14">
+      <mc:AlternateContent xmlns:mc="http://schemas.openxmlformats.org/markup-compatibility/2006" xmlns:a14="http://schemas.microsoft.com/office/drawing/2010/main">
+        <mc:Choice Requires="a14">
           <p:sp>
             <p:nvSpPr>
               <p:cNvPr id="34" name="TextBox 33"/>
@@ -33748,7 +33651,7 @@
             </p:txBody>
           </p:sp>
         </mc:Choice>
-        <mc:Fallback>
+        <mc:Fallback xmlns="">
           <p:sp>
             <p:nvSpPr>
               <p:cNvPr id="34" name="TextBox 33"/>
@@ -33797,13 +33700,6 @@
   <p:clrMapOvr>
     <a:masterClrMapping/>
   </p:clrMapOvr>
-  <p:timing>
-    <p:tnLst>
-      <p:par>
-        <p:cTn id="1" dur="indefinite" restart="never" nodeType="tmRoot"/>
-      </p:par>
-    </p:tnLst>
-  </p:timing>
 </p:sld>
 </file>
 
@@ -34147,13 +34043,6 @@
   <p:clrMapOvr>
     <a:masterClrMapping/>
   </p:clrMapOvr>
-  <p:timing>
-    <p:tnLst>
-      <p:par>
-        <p:cTn id="1" dur="indefinite" restart="never" nodeType="tmRoot"/>
-      </p:par>
-    </p:tnLst>
-  </p:timing>
 </p:sld>
 </file>
 
@@ -34414,15 +34303,6 @@
                 </a:rPr>
                 <a:t>verviewPolyline</a:t>
               </a:r>
-              <a:endParaRPr lang="en" sz="1500" kern="0" dirty="0" smtClean="0">
-                <a:solidFill>
-                  <a:schemeClr val="tx1"/>
-                </a:solidFill>
-                <a:latin typeface="Cambria" pitchFamily="18" charset="0"/>
-                <a:cs typeface="Arial"/>
-                <a:sym typeface="Arial"/>
-                <a:rtl val="0"/>
-              </a:endParaRPr>
             </a:p>
           </p:txBody>
         </p:sp>
@@ -34542,13 +34422,6 @@
   <p:clrMapOvr>
     <a:masterClrMapping/>
   </p:clrMapOvr>
-  <p:timing>
-    <p:tnLst>
-      <p:par>
-        <p:cTn id="1" dur="indefinite" restart="never" nodeType="tmRoot"/>
-      </p:par>
-    </p:tnLst>
-  </p:timing>
 </p:sld>
 </file>
 
@@ -34809,15 +34682,6 @@
                 </a:rPr>
                 <a:t>verviewPolyline</a:t>
               </a:r>
-              <a:endParaRPr lang="en" sz="1500" kern="0" dirty="0" smtClean="0">
-                <a:solidFill>
-                  <a:schemeClr val="tx1"/>
-                </a:solidFill>
-                <a:latin typeface="Cambria" pitchFamily="18" charset="0"/>
-                <a:cs typeface="Arial"/>
-                <a:sym typeface="Arial"/>
-                <a:rtl val="0"/>
-              </a:endParaRPr>
             </a:p>
           </p:txBody>
         </p:sp>
@@ -34973,6 +34837,46 @@
           </a:fontRef>
         </p:style>
       </p:cxnSp>
+      <p:sp>
+        <p:nvSpPr>
+          <p:cNvPr id="2" name="TextBox 1"/>
+          <p:cNvSpPr txBox="1"/>
+          <p:nvPr/>
+        </p:nvSpPr>
+        <p:spPr>
+          <a:xfrm>
+            <a:off x="251812" y="408199"/>
+            <a:ext cx="5856219" cy="830997"/>
+          </a:xfrm>
+          <a:prstGeom prst="rect">
+            <a:avLst/>
+          </a:prstGeom>
+          <a:noFill/>
+        </p:spPr>
+        <p:txBody>
+          <a:bodyPr wrap="none" rtlCol="0">
+            <a:spAutoFit/>
+          </a:bodyPr>
+          <a:lstStyle/>
+          <a:p>
+            <a:r>
+              <a:rPr lang="en-US" sz="4800" dirty="0" smtClean="0">
+                <a:solidFill>
+                  <a:schemeClr val="bg1"/>
+                </a:solidFill>
+                <a:latin typeface="Cambria" panose="02040503050406030204" pitchFamily="18" charset="0"/>
+              </a:rPr>
+              <a:t>Class Diagram to Map</a:t>
+            </a:r>
+            <a:endParaRPr lang="en-US" sz="4800" dirty="0">
+              <a:solidFill>
+                <a:schemeClr val="bg1"/>
+              </a:solidFill>
+              <a:latin typeface="Cambria" panose="02040503050406030204" pitchFamily="18" charset="0"/>
+            </a:endParaRPr>
+          </a:p>
+        </p:txBody>
+      </p:sp>
     </p:spTree>
     <p:extLst>
       <p:ext uri="{BB962C8B-B14F-4D97-AF65-F5344CB8AC3E}">
@@ -34983,13 +34887,6 @@
   <p:clrMapOvr>
     <a:masterClrMapping/>
   </p:clrMapOvr>
-  <p:timing>
-    <p:tnLst>
-      <p:par>
-        <p:cTn id="1" dur="indefinite" restart="never" nodeType="tmRoot"/>
-      </p:par>
-    </p:tnLst>
-  </p:timing>
 </p:sld>
 </file>
 
@@ -35250,15 +35147,6 @@
                 </a:rPr>
                 <a:t>verviewPolyline</a:t>
               </a:r>
-              <a:endParaRPr lang="en" sz="1500" kern="0" dirty="0" smtClean="0">
-                <a:solidFill>
-                  <a:schemeClr val="tx1"/>
-                </a:solidFill>
-                <a:latin typeface="Cambria" pitchFamily="18" charset="0"/>
-                <a:cs typeface="Arial"/>
-                <a:sym typeface="Arial"/>
-                <a:rtl val="0"/>
-              </a:endParaRPr>
             </a:p>
           </p:txBody>
         </p:sp>
@@ -35455,6 +35343,46 @@
           </a:extLst>
         </p:spPr>
       </p:pic>
+      <p:sp>
+        <p:nvSpPr>
+          <p:cNvPr id="11" name="TextBox 10"/>
+          <p:cNvSpPr txBox="1"/>
+          <p:nvPr/>
+        </p:nvSpPr>
+        <p:spPr>
+          <a:xfrm>
+            <a:off x="251812" y="408199"/>
+            <a:ext cx="5856219" cy="830997"/>
+          </a:xfrm>
+          <a:prstGeom prst="rect">
+            <a:avLst/>
+          </a:prstGeom>
+          <a:noFill/>
+        </p:spPr>
+        <p:txBody>
+          <a:bodyPr wrap="none" rtlCol="0">
+            <a:spAutoFit/>
+          </a:bodyPr>
+          <a:lstStyle/>
+          <a:p>
+            <a:r>
+              <a:rPr lang="en-US" sz="4800" dirty="0" smtClean="0">
+                <a:solidFill>
+                  <a:schemeClr val="bg1"/>
+                </a:solidFill>
+                <a:latin typeface="Cambria" panose="02040503050406030204" pitchFamily="18" charset="0"/>
+              </a:rPr>
+              <a:t>Class Diagram to Map</a:t>
+            </a:r>
+            <a:endParaRPr lang="en-US" sz="4800" dirty="0">
+              <a:solidFill>
+                <a:schemeClr val="bg1"/>
+              </a:solidFill>
+              <a:latin typeface="Cambria" panose="02040503050406030204" pitchFamily="18" charset="0"/>
+            </a:endParaRPr>
+          </a:p>
+        </p:txBody>
+      </p:sp>
     </p:spTree>
     <p:extLst>
       <p:ext uri="{BB962C8B-B14F-4D97-AF65-F5344CB8AC3E}">
@@ -35465,13 +35393,6 @@
   <p:clrMapOvr>
     <a:masterClrMapping/>
   </p:clrMapOvr>
-  <p:timing>
-    <p:tnLst>
-      <p:par>
-        <p:cTn id="1" dur="indefinite" restart="never" nodeType="tmRoot"/>
-      </p:par>
-    </p:tnLst>
-  </p:timing>
 </p:sld>
 </file>
 
@@ -35939,13 +35860,6 @@
   <p:clrMapOvr>
     <a:masterClrMapping/>
   </p:clrMapOvr>
-  <p:timing>
-    <p:tnLst>
-      <p:par>
-        <p:cTn id="1" dur="indefinite" restart="never" nodeType="tmRoot"/>
-      </p:par>
-    </p:tnLst>
-  </p:timing>
 </p:sld>
 </file>
 
@@ -36434,6 +36348,46 @@
           </a:extLst>
         </p:spPr>
       </p:pic>
+      <p:sp>
+        <p:nvSpPr>
+          <p:cNvPr id="10" name="TextBox 9"/>
+          <p:cNvSpPr txBox="1"/>
+          <p:nvPr/>
+        </p:nvSpPr>
+        <p:spPr>
+          <a:xfrm>
+            <a:off x="251812" y="408199"/>
+            <a:ext cx="5856219" cy="830997"/>
+          </a:xfrm>
+          <a:prstGeom prst="rect">
+            <a:avLst/>
+          </a:prstGeom>
+          <a:noFill/>
+        </p:spPr>
+        <p:txBody>
+          <a:bodyPr wrap="none" rtlCol="0">
+            <a:spAutoFit/>
+          </a:bodyPr>
+          <a:lstStyle/>
+          <a:p>
+            <a:r>
+              <a:rPr lang="en-US" sz="4800" dirty="0" smtClean="0">
+                <a:solidFill>
+                  <a:schemeClr val="bg1"/>
+                </a:solidFill>
+                <a:latin typeface="Cambria" panose="02040503050406030204" pitchFamily="18" charset="0"/>
+              </a:rPr>
+              <a:t>Class Diagram to Map</a:t>
+            </a:r>
+            <a:endParaRPr lang="en-US" sz="4800" dirty="0">
+              <a:solidFill>
+                <a:schemeClr val="bg1"/>
+              </a:solidFill>
+              <a:latin typeface="Cambria" panose="02040503050406030204" pitchFamily="18" charset="0"/>
+            </a:endParaRPr>
+          </a:p>
+        </p:txBody>
+      </p:sp>
     </p:spTree>
     <p:extLst>
       <p:ext uri="{BB962C8B-B14F-4D97-AF65-F5344CB8AC3E}">
@@ -36444,13 +36398,6 @@
   <p:clrMapOvr>
     <a:masterClrMapping/>
   </p:clrMapOvr>
-  <p:timing>
-    <p:tnLst>
-      <p:par>
-        <p:cTn id="1" dur="indefinite" restart="never" nodeType="tmRoot"/>
-      </p:par>
-    </p:tnLst>
-  </p:timing>
 </p:sld>
 </file>
 
@@ -36972,6 +36919,46 @@
           </a:extLst>
         </p:spPr>
       </p:pic>
+      <p:sp>
+        <p:nvSpPr>
+          <p:cNvPr id="11" name="TextBox 10"/>
+          <p:cNvSpPr txBox="1"/>
+          <p:nvPr/>
+        </p:nvSpPr>
+        <p:spPr>
+          <a:xfrm>
+            <a:off x="251812" y="408199"/>
+            <a:ext cx="5856219" cy="830997"/>
+          </a:xfrm>
+          <a:prstGeom prst="rect">
+            <a:avLst/>
+          </a:prstGeom>
+          <a:noFill/>
+        </p:spPr>
+        <p:txBody>
+          <a:bodyPr wrap="none" rtlCol="0">
+            <a:spAutoFit/>
+          </a:bodyPr>
+          <a:lstStyle/>
+          <a:p>
+            <a:r>
+              <a:rPr lang="en-US" sz="4800" dirty="0" smtClean="0">
+                <a:solidFill>
+                  <a:schemeClr val="bg1"/>
+                </a:solidFill>
+                <a:latin typeface="Cambria" panose="02040503050406030204" pitchFamily="18" charset="0"/>
+              </a:rPr>
+              <a:t>Class Diagram to Map</a:t>
+            </a:r>
+            <a:endParaRPr lang="en-US" sz="4800" dirty="0">
+              <a:solidFill>
+                <a:schemeClr val="bg1"/>
+              </a:solidFill>
+              <a:latin typeface="Cambria" panose="02040503050406030204" pitchFamily="18" charset="0"/>
+            </a:endParaRPr>
+          </a:p>
+        </p:txBody>
+      </p:sp>
     </p:spTree>
     <p:extLst>
       <p:ext uri="{BB962C8B-B14F-4D97-AF65-F5344CB8AC3E}">
@@ -36982,13 +36969,6 @@
   <p:clrMapOvr>
     <a:masterClrMapping/>
   </p:clrMapOvr>
-  <p:timing>
-    <p:tnLst>
-      <p:par>
-        <p:cTn id="1" dur="indefinite" restart="never" nodeType="tmRoot"/>
-      </p:par>
-    </p:tnLst>
-  </p:timing>
 </p:sld>
 </file>
 
@@ -37551,6 +37531,46 @@
           </a:extLst>
         </p:spPr>
       </p:pic>
+      <p:sp>
+        <p:nvSpPr>
+          <p:cNvPr id="13" name="TextBox 12"/>
+          <p:cNvSpPr txBox="1"/>
+          <p:nvPr/>
+        </p:nvSpPr>
+        <p:spPr>
+          <a:xfrm>
+            <a:off x="251812" y="408199"/>
+            <a:ext cx="5856219" cy="830997"/>
+          </a:xfrm>
+          <a:prstGeom prst="rect">
+            <a:avLst/>
+          </a:prstGeom>
+          <a:noFill/>
+        </p:spPr>
+        <p:txBody>
+          <a:bodyPr wrap="none" rtlCol="0">
+            <a:spAutoFit/>
+          </a:bodyPr>
+          <a:lstStyle/>
+          <a:p>
+            <a:r>
+              <a:rPr lang="en-US" sz="4800" dirty="0" smtClean="0">
+                <a:solidFill>
+                  <a:schemeClr val="bg1"/>
+                </a:solidFill>
+                <a:latin typeface="Cambria" panose="02040503050406030204" pitchFamily="18" charset="0"/>
+              </a:rPr>
+              <a:t>Class Diagram to Map</a:t>
+            </a:r>
+            <a:endParaRPr lang="en-US" sz="4800" dirty="0">
+              <a:solidFill>
+                <a:schemeClr val="bg1"/>
+              </a:solidFill>
+              <a:latin typeface="Cambria" panose="02040503050406030204" pitchFamily="18" charset="0"/>
+            </a:endParaRPr>
+          </a:p>
+        </p:txBody>
+      </p:sp>
     </p:spTree>
     <p:extLst>
       <p:ext uri="{BB962C8B-B14F-4D97-AF65-F5344CB8AC3E}">
@@ -37561,13 +37581,6 @@
   <p:clrMapOvr>
     <a:masterClrMapping/>
   </p:clrMapOvr>
-  <p:timing>
-    <p:tnLst>
-      <p:par>
-        <p:cTn id="1" dur="indefinite" restart="never" nodeType="tmRoot"/>
-      </p:par>
-    </p:tnLst>
-  </p:timing>
 </p:sld>
 </file>
 
@@ -38165,6 +38178,46 @@
           </a:fontRef>
         </p:style>
       </p:cxnSp>
+      <p:sp>
+        <p:nvSpPr>
+          <p:cNvPr id="16" name="TextBox 15"/>
+          <p:cNvSpPr txBox="1"/>
+          <p:nvPr/>
+        </p:nvSpPr>
+        <p:spPr>
+          <a:xfrm>
+            <a:off x="251812" y="408199"/>
+            <a:ext cx="5856219" cy="830997"/>
+          </a:xfrm>
+          <a:prstGeom prst="rect">
+            <a:avLst/>
+          </a:prstGeom>
+          <a:noFill/>
+        </p:spPr>
+        <p:txBody>
+          <a:bodyPr wrap="none" rtlCol="0">
+            <a:spAutoFit/>
+          </a:bodyPr>
+          <a:lstStyle/>
+          <a:p>
+            <a:r>
+              <a:rPr lang="en-US" sz="4800" dirty="0" smtClean="0">
+                <a:solidFill>
+                  <a:schemeClr val="bg1"/>
+                </a:solidFill>
+                <a:latin typeface="Cambria" panose="02040503050406030204" pitchFamily="18" charset="0"/>
+              </a:rPr>
+              <a:t>Class Diagram to Map</a:t>
+            </a:r>
+            <a:endParaRPr lang="en-US" sz="4800" dirty="0">
+              <a:solidFill>
+                <a:schemeClr val="bg1"/>
+              </a:solidFill>
+              <a:latin typeface="Cambria" panose="02040503050406030204" pitchFamily="18" charset="0"/>
+            </a:endParaRPr>
+          </a:p>
+        </p:txBody>
+      </p:sp>
     </p:spTree>
     <p:extLst>
       <p:ext uri="{BB962C8B-B14F-4D97-AF65-F5344CB8AC3E}">
@@ -38175,13 +38228,6 @@
   <p:clrMapOvr>
     <a:masterClrMapping/>
   </p:clrMapOvr>
-  <p:timing>
-    <p:tnLst>
-      <p:par>
-        <p:cTn id="1" dur="indefinite" restart="never" nodeType="tmRoot"/>
-      </p:par>
-    </p:tnLst>
-  </p:timing>
 </p:sld>
 </file>
 
@@ -38973,6 +39019,46 @@
           </a:extLst>
         </p:spPr>
       </p:pic>
+      <p:sp>
+        <p:nvSpPr>
+          <p:cNvPr id="19" name="TextBox 18"/>
+          <p:cNvSpPr txBox="1"/>
+          <p:nvPr/>
+        </p:nvSpPr>
+        <p:spPr>
+          <a:xfrm>
+            <a:off x="251812" y="408199"/>
+            <a:ext cx="5856219" cy="830997"/>
+          </a:xfrm>
+          <a:prstGeom prst="rect">
+            <a:avLst/>
+          </a:prstGeom>
+          <a:noFill/>
+        </p:spPr>
+        <p:txBody>
+          <a:bodyPr wrap="none" rtlCol="0">
+            <a:spAutoFit/>
+          </a:bodyPr>
+          <a:lstStyle/>
+          <a:p>
+            <a:r>
+              <a:rPr lang="en-US" sz="4800" dirty="0" smtClean="0">
+                <a:solidFill>
+                  <a:schemeClr val="bg1"/>
+                </a:solidFill>
+                <a:latin typeface="Cambria" panose="02040503050406030204" pitchFamily="18" charset="0"/>
+              </a:rPr>
+              <a:t>Class Diagram to Map</a:t>
+            </a:r>
+            <a:endParaRPr lang="en-US" sz="4800" dirty="0">
+              <a:solidFill>
+                <a:schemeClr val="bg1"/>
+              </a:solidFill>
+              <a:latin typeface="Cambria" panose="02040503050406030204" pitchFamily="18" charset="0"/>
+            </a:endParaRPr>
+          </a:p>
+        </p:txBody>
+      </p:sp>
     </p:spTree>
     <p:extLst>
       <p:ext uri="{BB962C8B-B14F-4D97-AF65-F5344CB8AC3E}">
@@ -38983,13 +39069,6 @@
   <p:clrMapOvr>
     <a:masterClrMapping/>
   </p:clrMapOvr>
-  <p:timing>
-    <p:tnLst>
-      <p:par>
-        <p:cTn id="1" dur="indefinite" restart="never" nodeType="tmRoot"/>
-      </p:par>
-    </p:tnLst>
-  </p:timing>
 </p:sld>
 </file>
 
@@ -39027,11 +39106,17 @@
           <a:p>
             <a:r>
               <a:rPr lang="en-US" dirty="0" smtClean="0">
+                <a:solidFill>
+                  <a:schemeClr val="bg1"/>
+                </a:solidFill>
                 <a:latin typeface="Cambria" pitchFamily="18" charset="0"/>
               </a:rPr>
               <a:t>Demo four points optimize</a:t>
             </a:r>
             <a:endParaRPr lang="en-US" dirty="0">
+              <a:solidFill>
+                <a:schemeClr val="bg1"/>
+              </a:solidFill>
               <a:latin typeface="Cambria" pitchFamily="18" charset="0"/>
             </a:endParaRPr>
           </a:p>
@@ -39574,13 +39659,6 @@
   <p:clrMapOvr>
     <a:masterClrMapping/>
   </p:clrMapOvr>
-  <p:timing>
-    <p:tnLst>
-      <p:par>
-        <p:cTn id="1" dur="indefinite" restart="never" nodeType="tmRoot"/>
-      </p:par>
-    </p:tnLst>
-  </p:timing>
 </p:sld>
 </file>
 
@@ -39707,7 +39785,7 @@
         </p:blipFill>
         <p:spPr bwMode="auto">
           <a:xfrm>
-            <a:off x="340626" y="3887724"/>
+            <a:off x="385834" y="2900849"/>
             <a:ext cx="1371600" cy="1371600"/>
           </a:xfrm>
           <a:prstGeom prst="rect">
@@ -39736,8 +39814,8 @@
         </p:nvCxnSpPr>
         <p:spPr>
           <a:xfrm flipH="1" flipV="1">
-            <a:off x="1712226" y="4573524"/>
-            <a:ext cx="2166455" cy="1125566"/>
+            <a:off x="1757434" y="3586649"/>
+            <a:ext cx="2121247" cy="2112441"/>
           </a:xfrm>
           <a:prstGeom prst="straightConnector1">
             <a:avLst/>
@@ -39769,7 +39847,7 @@
         </p:nvSpPr>
         <p:spPr>
           <a:xfrm>
-            <a:off x="457200" y="5059269"/>
+            <a:off x="491517" y="4072394"/>
             <a:ext cx="1138453" cy="400110"/>
           </a:xfrm>
           <a:prstGeom prst="rect">
@@ -39841,23 +39919,106 @@
           </a:p>
         </p:txBody>
       </p:sp>
+      <p:grpSp>
+        <p:nvGrpSpPr>
+          <p:cNvPr id="18" name="Group 17"/>
+          <p:cNvGrpSpPr/>
+          <p:nvPr/>
+        </p:nvGrpSpPr>
+        <p:grpSpPr>
+          <a:xfrm>
+            <a:off x="427354" y="5017147"/>
+            <a:ext cx="1458733" cy="1535149"/>
+            <a:chOff x="982207" y="1642667"/>
+            <a:chExt cx="1458733" cy="1535149"/>
+          </a:xfrm>
+        </p:grpSpPr>
+        <p:pic>
+          <p:nvPicPr>
+            <p:cNvPr id="19" name="Picture 2" descr="C:\Users\ngoan\Desktop\image\bus.png"/>
+            <p:cNvPicPr>
+              <a:picLocks noChangeAspect="1" noChangeArrowheads="1"/>
+            </p:cNvPicPr>
+            <p:nvPr/>
+          </p:nvPicPr>
+          <p:blipFill>
+            <a:blip r:embed="rId5">
+              <a:extLst>
+                <a:ext uri="{28A0092B-C50C-407E-A947-70E740481C1C}">
+                  <a14:useLocalDpi xmlns:a14="http://schemas.microsoft.com/office/drawing/2010/main" val="0"/>
+                </a:ext>
+              </a:extLst>
+            </a:blip>
+            <a:srcRect/>
+            <a:stretch>
+              <a:fillRect/>
+            </a:stretch>
+          </p:blipFill>
+          <p:spPr bwMode="auto">
+            <a:xfrm>
+              <a:off x="1046342" y="1642667"/>
+              <a:ext cx="1135039" cy="1135039"/>
+            </a:xfrm>
+            <a:prstGeom prst="rect">
+              <a:avLst/>
+            </a:prstGeom>
+            <a:noFill/>
+            <a:extLst>
+              <a:ext uri="{909E8E84-426E-40DD-AFC4-6F175D3DCCD1}">
+                <a14:hiddenFill xmlns:a14="http://schemas.microsoft.com/office/drawing/2010/main">
+                  <a:solidFill>
+                    <a:srgbClr val="FFFFFF"/>
+                  </a:solidFill>
+                </a14:hiddenFill>
+              </a:ext>
+            </a:extLst>
+          </p:spPr>
+        </p:pic>
+        <p:sp>
+          <p:nvSpPr>
+            <p:cNvPr id="20" name="TextBox 19"/>
+            <p:cNvSpPr txBox="1"/>
+            <p:nvPr/>
+          </p:nvSpPr>
+          <p:spPr>
+            <a:xfrm>
+              <a:off x="982207" y="2777706"/>
+              <a:ext cx="1458733" cy="400110"/>
+            </a:xfrm>
+            <a:prstGeom prst="rect">
+              <a:avLst/>
+            </a:prstGeom>
+            <a:noFill/>
+          </p:spPr>
+          <p:txBody>
+            <a:bodyPr wrap="none" rtlCol="0">
+              <a:spAutoFit/>
+            </a:bodyPr>
+            <a:lstStyle/>
+            <a:p>
+              <a:r>
+                <a:rPr lang="en-US" sz="2000" b="1" dirty="0" smtClean="0">
+                  <a:latin typeface="Cambria" panose="02040503050406030204" pitchFamily="18" charset="0"/>
+                </a:rPr>
+                <a:t>Search bus</a:t>
+              </a:r>
+              <a:endParaRPr lang="en-US" sz="2000" b="1" dirty="0">
+                <a:latin typeface="Cambria" panose="02040503050406030204" pitchFamily="18" charset="0"/>
+              </a:endParaRPr>
+            </a:p>
+          </p:txBody>
+        </p:sp>
+      </p:grpSp>
     </p:spTree>
     <p:extLst>
       <p:ext uri="{BB962C8B-B14F-4D97-AF65-F5344CB8AC3E}">
-        <p14:creationId xmlns:p14="http://schemas.microsoft.com/office/powerpoint/2010/main" val="2027295939"/>
+        <p14:creationId xmlns:p14="http://schemas.microsoft.com/office/powerpoint/2010/main" val="4107944019"/>
       </p:ext>
     </p:extLst>
   </p:cSld>
   <p:clrMapOvr>
     <a:masterClrMapping/>
   </p:clrMapOvr>
-  <p:timing>
-    <p:tnLst>
-      <p:par>
-        <p:cTn id="1" dur="indefinite" restart="never" nodeType="tmRoot"/>
-      </p:par>
-    </p:tnLst>
-  </p:timing>
 </p:sld>
 </file>
 
@@ -39984,7 +40145,7 @@
         </p:blipFill>
         <p:spPr bwMode="auto">
           <a:xfrm>
-            <a:off x="340626" y="3887724"/>
+            <a:off x="385834" y="2900849"/>
             <a:ext cx="1371600" cy="1371600"/>
           </a:xfrm>
           <a:prstGeom prst="rect">
@@ -40013,8 +40174,8 @@
         </p:nvCxnSpPr>
         <p:spPr>
           <a:xfrm flipH="1" flipV="1">
-            <a:off x="1712226" y="4573524"/>
-            <a:ext cx="2166455" cy="1125566"/>
+            <a:off x="1757434" y="3586649"/>
+            <a:ext cx="2121247" cy="2112441"/>
           </a:xfrm>
           <a:prstGeom prst="straightConnector1">
             <a:avLst/>
@@ -40046,7 +40207,7 @@
         </p:nvSpPr>
         <p:spPr>
           <a:xfrm>
-            <a:off x="457200" y="5059269"/>
+            <a:off x="491517" y="4072394"/>
             <a:ext cx="1138453" cy="400110"/>
           </a:xfrm>
           <a:prstGeom prst="rect">
@@ -40235,23 +40396,106 @@
           </a:p>
         </p:txBody>
       </p:sp>
+      <p:grpSp>
+        <p:nvGrpSpPr>
+          <p:cNvPr id="18" name="Group 17"/>
+          <p:cNvGrpSpPr/>
+          <p:nvPr/>
+        </p:nvGrpSpPr>
+        <p:grpSpPr>
+          <a:xfrm>
+            <a:off x="427354" y="5017147"/>
+            <a:ext cx="1458733" cy="1535149"/>
+            <a:chOff x="982207" y="1642667"/>
+            <a:chExt cx="1458733" cy="1535149"/>
+          </a:xfrm>
+        </p:grpSpPr>
+        <p:pic>
+          <p:nvPicPr>
+            <p:cNvPr id="19" name="Picture 2" descr="C:\Users\ngoan\Desktop\image\bus.png"/>
+            <p:cNvPicPr>
+              <a:picLocks noChangeAspect="1" noChangeArrowheads="1"/>
+            </p:cNvPicPr>
+            <p:nvPr/>
+          </p:nvPicPr>
+          <p:blipFill>
+            <a:blip r:embed="rId5">
+              <a:extLst>
+                <a:ext uri="{28A0092B-C50C-407E-A947-70E740481C1C}">
+                  <a14:useLocalDpi xmlns:a14="http://schemas.microsoft.com/office/drawing/2010/main" val="0"/>
+                </a:ext>
+              </a:extLst>
+            </a:blip>
+            <a:srcRect/>
+            <a:stretch>
+              <a:fillRect/>
+            </a:stretch>
+          </p:blipFill>
+          <p:spPr bwMode="auto">
+            <a:xfrm>
+              <a:off x="1046342" y="1642667"/>
+              <a:ext cx="1135039" cy="1135039"/>
+            </a:xfrm>
+            <a:prstGeom prst="rect">
+              <a:avLst/>
+            </a:prstGeom>
+            <a:noFill/>
+            <a:extLst>
+              <a:ext uri="{909E8E84-426E-40DD-AFC4-6F175D3DCCD1}">
+                <a14:hiddenFill xmlns:a14="http://schemas.microsoft.com/office/drawing/2010/main">
+                  <a:solidFill>
+                    <a:srgbClr val="FFFFFF"/>
+                  </a:solidFill>
+                </a14:hiddenFill>
+              </a:ext>
+            </a:extLst>
+          </p:spPr>
+        </p:pic>
+        <p:sp>
+          <p:nvSpPr>
+            <p:cNvPr id="20" name="TextBox 19"/>
+            <p:cNvSpPr txBox="1"/>
+            <p:nvPr/>
+          </p:nvSpPr>
+          <p:spPr>
+            <a:xfrm>
+              <a:off x="982207" y="2777706"/>
+              <a:ext cx="1458733" cy="400110"/>
+            </a:xfrm>
+            <a:prstGeom prst="rect">
+              <a:avLst/>
+            </a:prstGeom>
+            <a:noFill/>
+          </p:spPr>
+          <p:txBody>
+            <a:bodyPr wrap="none" rtlCol="0">
+              <a:spAutoFit/>
+            </a:bodyPr>
+            <a:lstStyle/>
+            <a:p>
+              <a:r>
+                <a:rPr lang="en-US" sz="2000" b="1" dirty="0" smtClean="0">
+                  <a:latin typeface="Cambria" panose="02040503050406030204" pitchFamily="18" charset="0"/>
+                </a:rPr>
+                <a:t>Search bus</a:t>
+              </a:r>
+              <a:endParaRPr lang="en-US" sz="2000" b="1" dirty="0">
+                <a:latin typeface="Cambria" panose="02040503050406030204" pitchFamily="18" charset="0"/>
+              </a:endParaRPr>
+            </a:p>
+          </p:txBody>
+        </p:sp>
+      </p:grpSp>
     </p:spTree>
     <p:extLst>
       <p:ext uri="{BB962C8B-B14F-4D97-AF65-F5344CB8AC3E}">
-        <p14:creationId xmlns:p14="http://schemas.microsoft.com/office/powerpoint/2010/main" val="2274731574"/>
+        <p14:creationId xmlns:p14="http://schemas.microsoft.com/office/powerpoint/2010/main" val="483497090"/>
       </p:ext>
     </p:extLst>
   </p:cSld>
   <p:clrMapOvr>
     <a:masterClrMapping/>
   </p:clrMapOvr>
-  <p:timing>
-    <p:tnLst>
-      <p:par>
-        <p:cTn id="1" dur="indefinite" restart="never" nodeType="tmRoot"/>
-      </p:par>
-    </p:tnLst>
-  </p:timing>
 </p:sld>
 </file>
 
@@ -40378,7 +40622,7 @@
         </p:blipFill>
         <p:spPr bwMode="auto">
           <a:xfrm>
-            <a:off x="340626" y="3887724"/>
+            <a:off x="385834" y="2900849"/>
             <a:ext cx="1371600" cy="1371600"/>
           </a:xfrm>
           <a:prstGeom prst="rect">
@@ -40407,8 +40651,8 @@
         </p:nvCxnSpPr>
         <p:spPr>
           <a:xfrm flipH="1" flipV="1">
-            <a:off x="1712226" y="4573524"/>
-            <a:ext cx="2166455" cy="1125566"/>
+            <a:off x="1757434" y="3586649"/>
+            <a:ext cx="2121247" cy="2112441"/>
           </a:xfrm>
           <a:prstGeom prst="straightConnector1">
             <a:avLst/>
@@ -40440,7 +40684,7 @@
         </p:nvSpPr>
         <p:spPr>
           <a:xfrm>
-            <a:off x="457200" y="5059269"/>
+            <a:off x="491517" y="4072394"/>
             <a:ext cx="1138453" cy="400110"/>
           </a:xfrm>
           <a:prstGeom prst="rect">
@@ -40746,23 +40990,106 @@
           </a:p>
         </p:txBody>
       </p:sp>
+      <p:grpSp>
+        <p:nvGrpSpPr>
+          <p:cNvPr id="18" name="Group 17"/>
+          <p:cNvGrpSpPr/>
+          <p:nvPr/>
+        </p:nvGrpSpPr>
+        <p:grpSpPr>
+          <a:xfrm>
+            <a:off x="427354" y="5017147"/>
+            <a:ext cx="1458733" cy="1535149"/>
+            <a:chOff x="982207" y="1642667"/>
+            <a:chExt cx="1458733" cy="1535149"/>
+          </a:xfrm>
+        </p:grpSpPr>
+        <p:pic>
+          <p:nvPicPr>
+            <p:cNvPr id="19" name="Picture 2" descr="C:\Users\ngoan\Desktop\image\bus.png"/>
+            <p:cNvPicPr>
+              <a:picLocks noChangeAspect="1" noChangeArrowheads="1"/>
+            </p:cNvPicPr>
+            <p:nvPr/>
+          </p:nvPicPr>
+          <p:blipFill>
+            <a:blip r:embed="rId5">
+              <a:extLst>
+                <a:ext uri="{28A0092B-C50C-407E-A947-70E740481C1C}">
+                  <a14:useLocalDpi xmlns:a14="http://schemas.microsoft.com/office/drawing/2010/main" val="0"/>
+                </a:ext>
+              </a:extLst>
+            </a:blip>
+            <a:srcRect/>
+            <a:stretch>
+              <a:fillRect/>
+            </a:stretch>
+          </p:blipFill>
+          <p:spPr bwMode="auto">
+            <a:xfrm>
+              <a:off x="1046342" y="1642667"/>
+              <a:ext cx="1135039" cy="1135039"/>
+            </a:xfrm>
+            <a:prstGeom prst="rect">
+              <a:avLst/>
+            </a:prstGeom>
+            <a:noFill/>
+            <a:extLst>
+              <a:ext uri="{909E8E84-426E-40DD-AFC4-6F175D3DCCD1}">
+                <a14:hiddenFill xmlns:a14="http://schemas.microsoft.com/office/drawing/2010/main">
+                  <a:solidFill>
+                    <a:srgbClr val="FFFFFF"/>
+                  </a:solidFill>
+                </a14:hiddenFill>
+              </a:ext>
+            </a:extLst>
+          </p:spPr>
+        </p:pic>
+        <p:sp>
+          <p:nvSpPr>
+            <p:cNvPr id="20" name="TextBox 19"/>
+            <p:cNvSpPr txBox="1"/>
+            <p:nvPr/>
+          </p:nvSpPr>
+          <p:spPr>
+            <a:xfrm>
+              <a:off x="982207" y="2777706"/>
+              <a:ext cx="1458733" cy="400110"/>
+            </a:xfrm>
+            <a:prstGeom prst="rect">
+              <a:avLst/>
+            </a:prstGeom>
+            <a:noFill/>
+          </p:spPr>
+          <p:txBody>
+            <a:bodyPr wrap="none" rtlCol="0">
+              <a:spAutoFit/>
+            </a:bodyPr>
+            <a:lstStyle/>
+            <a:p>
+              <a:r>
+                <a:rPr lang="en-US" sz="2000" b="1" dirty="0" smtClean="0">
+                  <a:latin typeface="Cambria" panose="02040503050406030204" pitchFamily="18" charset="0"/>
+                </a:rPr>
+                <a:t>Search bus</a:t>
+              </a:r>
+              <a:endParaRPr lang="en-US" sz="2000" b="1" dirty="0">
+                <a:latin typeface="Cambria" panose="02040503050406030204" pitchFamily="18" charset="0"/>
+              </a:endParaRPr>
+            </a:p>
+          </p:txBody>
+        </p:sp>
+      </p:grpSp>
     </p:spTree>
     <p:extLst>
       <p:ext uri="{BB962C8B-B14F-4D97-AF65-F5344CB8AC3E}">
-        <p14:creationId xmlns:p14="http://schemas.microsoft.com/office/powerpoint/2010/main" val="3331882702"/>
+        <p14:creationId xmlns:p14="http://schemas.microsoft.com/office/powerpoint/2010/main" val="1430370384"/>
       </p:ext>
     </p:extLst>
   </p:cSld>
   <p:clrMapOvr>
     <a:masterClrMapping/>
   </p:clrMapOvr>
-  <p:timing>
-    <p:tnLst>
-      <p:par>
-        <p:cTn id="1" dur="indefinite" restart="never" nodeType="tmRoot"/>
-      </p:par>
-    </p:tnLst>
-  </p:timing>
 </p:sld>
 </file>
 
@@ -41245,13 +41572,6 @@
   <p:clrMapOvr>
     <a:masterClrMapping/>
   </p:clrMapOvr>
-  <p:timing>
-    <p:tnLst>
-      <p:par>
-        <p:cTn id="1" dur="indefinite" restart="never" nodeType="tmRoot"/>
-      </p:par>
-    </p:tnLst>
-  </p:timing>
 </p:sld>
 </file>
 
@@ -41830,13 +42150,6 @@
   <p:clrMapOvr>
     <a:masterClrMapping/>
   </p:clrMapOvr>
-  <p:timing>
-    <p:tnLst>
-      <p:par>
-        <p:cTn id="1" dur="indefinite" restart="never" nodeType="tmRoot"/>
-      </p:par>
-    </p:tnLst>
-  </p:timing>
 </p:sld>
 </file>
 
@@ -42380,7 +42693,7 @@
   <a:extraClrSchemeLst/>
   <a:extLst>
     <a:ext uri="{05A4C25C-085E-4340-85A3-A5531E510DB2}">
-      <thm15:themeFamily xmlns:thm15="http://schemas.microsoft.com/office/thememl/2012/main" xmlns="" name="Office Theme" id="{62F939B6-93AF-4DB8-9C6B-D6C7DFDC589F}" vid="{4A3C46E8-61CC-4603-A589-7422A47A8E4A}"/>
+      <thm15:themeFamily xmlns:thm15="http://schemas.microsoft.com/office/thememl/2012/main" name="Office Theme" id="{62F939B6-93AF-4DB8-9C6B-D6C7DFDC589F}" vid="{4A3C46E8-61CC-4603-A589-7422A47A8E4A}"/>
     </a:ext>
   </a:extLst>
 </a:theme>
